--- a/121/nmop-terminology-chairs.pptx
+++ b/121/nmop-terminology-chairs.pptx
@@ -129,7 +129,7 @@
   <pc:docChgLst>
     <pc:chgData name="BOUCADAIR Mohamed INNOV/NET" userId="2acbca90-6db1-4111-98c4-832797dda751" providerId="ADAL" clId="{37844885-6F38-4376-A0C0-47EE22FE7C35}"/>
     <pc:docChg chg="undo custSel addSld delSld modSld">
-      <pc:chgData name="BOUCADAIR Mohamed INNOV/NET" userId="2acbca90-6db1-4111-98c4-832797dda751" providerId="ADAL" clId="{37844885-6F38-4376-A0C0-47EE22FE7C35}" dt="2024-10-29T14:55:16.767" v="3157" actId="20577"/>
+      <pc:chgData name="BOUCADAIR Mohamed INNOV/NET" userId="2acbca90-6db1-4111-98c4-832797dda751" providerId="ADAL" clId="{37844885-6F38-4376-A0C0-47EE22FE7C35}" dt="2024-10-31T06:37:47.086" v="3475" actId="114"/>
       <pc:docMkLst>
         <pc:docMk/>
       </pc:docMkLst>
@@ -187,14 +187,14 @@
           </ac:picMkLst>
         </pc:picChg>
       </pc:sldChg>
-      <pc:sldChg chg="addSp modSp new mod">
-        <pc:chgData name="BOUCADAIR Mohamed INNOV/NET" userId="2acbca90-6db1-4111-98c4-832797dda751" providerId="ADAL" clId="{37844885-6F38-4376-A0C0-47EE22FE7C35}" dt="2024-10-29T14:55:16.767" v="3157" actId="20577"/>
+      <pc:sldChg chg="addSp delSp modSp new mod">
+        <pc:chgData name="BOUCADAIR Mohamed INNOV/NET" userId="2acbca90-6db1-4111-98c4-832797dda751" providerId="ADAL" clId="{37844885-6F38-4376-A0C0-47EE22FE7C35}" dt="2024-10-31T06:37:47.086" v="3475" actId="114"/>
         <pc:sldMkLst>
           <pc:docMk/>
           <pc:sldMk cId="872299363" sldId="258"/>
         </pc:sldMkLst>
         <pc:spChg chg="mod">
-          <ac:chgData name="BOUCADAIR Mohamed INNOV/NET" userId="2acbca90-6db1-4111-98c4-832797dda751" providerId="ADAL" clId="{37844885-6F38-4376-A0C0-47EE22FE7C35}" dt="2024-10-29T14:36:33.248" v="1849" actId="20577"/>
+          <ac:chgData name="BOUCADAIR Mohamed INNOV/NET" userId="2acbca90-6db1-4111-98c4-832797dda751" providerId="ADAL" clId="{37844885-6F38-4376-A0C0-47EE22FE7C35}" dt="2024-10-31T06:28:48.051" v="3168" actId="6549"/>
           <ac:spMkLst>
             <pc:docMk/>
             <pc:sldMk cId="872299363" sldId="258"/>
@@ -202,7 +202,7 @@
           </ac:spMkLst>
         </pc:spChg>
         <pc:spChg chg="mod">
-          <ac:chgData name="BOUCADAIR Mohamed INNOV/NET" userId="2acbca90-6db1-4111-98c4-832797dda751" providerId="ADAL" clId="{37844885-6F38-4376-A0C0-47EE22FE7C35}" dt="2024-10-29T14:55:16.767" v="3157" actId="20577"/>
+          <ac:chgData name="BOUCADAIR Mohamed INNOV/NET" userId="2acbca90-6db1-4111-98c4-832797dda751" providerId="ADAL" clId="{37844885-6F38-4376-A0C0-47EE22FE7C35}" dt="2024-10-31T06:37:47.086" v="3475" actId="114"/>
           <ac:spMkLst>
             <pc:docMk/>
             <pc:sldMk cId="872299363" sldId="258"/>
@@ -217,8 +217,8 @@
             <ac:spMk id="4" creationId="{57F26DCC-5358-0DF6-59C0-22D4387BCB85}"/>
           </ac:spMkLst>
         </pc:spChg>
-        <pc:graphicFrameChg chg="add mod modGraphic">
-          <ac:chgData name="BOUCADAIR Mohamed INNOV/NET" userId="2acbca90-6db1-4111-98c4-832797dda751" providerId="ADAL" clId="{37844885-6F38-4376-A0C0-47EE22FE7C35}" dt="2024-10-29T14:46:06.501" v="2969" actId="14734"/>
+        <pc:graphicFrameChg chg="add del mod modGraphic">
+          <ac:chgData name="BOUCADAIR Mohamed INNOV/NET" userId="2acbca90-6db1-4111-98c4-832797dda751" providerId="ADAL" clId="{37844885-6F38-4376-A0C0-47EE22FE7C35}" dt="2024-10-31T06:36:08.427" v="3382" actId="478"/>
           <ac:graphicFrameMkLst>
             <pc:docMk/>
             <pc:sldMk cId="872299363" sldId="258"/>
@@ -313,7 +313,7 @@
           <a:p>
             <a:fld id="{C910D584-5F32-4082-AF48-7178172E93B4}" type="datetimeFigureOut">
               <a:rPr lang="fr-FR" smtClean="0"/>
-              <a:t>29/10/2024</a:t>
+              <a:t>31/10/2024</a:t>
             </a:fld>
             <a:endParaRPr lang="fr-FR"/>
           </a:p>
@@ -727,7 +727,7 @@
           <a:p>
             <a:fld id="{D51EA7C9-5884-4F51-9FDB-03FCBE6DB06C}" type="datetime1">
               <a:rPr lang="fr-FR" smtClean="0"/>
-              <a:t>29/10/2024</a:t>
+              <a:t>31/10/2024</a:t>
             </a:fld>
             <a:endParaRPr lang="fr-FR"/>
           </a:p>
@@ -925,7 +925,7 @@
           <a:p>
             <a:fld id="{AA59EE31-B427-4590-9934-DCCF4EEEF12D}" type="datetime1">
               <a:rPr lang="fr-FR" smtClean="0"/>
-              <a:t>29/10/2024</a:t>
+              <a:t>31/10/2024</a:t>
             </a:fld>
             <a:endParaRPr lang="fr-FR"/>
           </a:p>
@@ -1133,7 +1133,7 @@
           <a:p>
             <a:fld id="{8BD5CADF-B6C0-4508-BD67-2AE38510073B}" type="datetime1">
               <a:rPr lang="fr-FR" smtClean="0"/>
-              <a:t>29/10/2024</a:t>
+              <a:t>31/10/2024</a:t>
             </a:fld>
             <a:endParaRPr lang="fr-FR"/>
           </a:p>
@@ -1331,7 +1331,7 @@
           <a:p>
             <a:fld id="{64622D4A-8DBE-4FCC-AE76-66F57916126B}" type="datetime1">
               <a:rPr lang="fr-FR" smtClean="0"/>
-              <a:t>29/10/2024</a:t>
+              <a:t>31/10/2024</a:t>
             </a:fld>
             <a:endParaRPr lang="fr-FR"/>
           </a:p>
@@ -1606,7 +1606,7 @@
           <a:p>
             <a:fld id="{341D5CBF-F795-4DFA-87AB-7971F539AB34}" type="datetime1">
               <a:rPr lang="fr-FR" smtClean="0"/>
-              <a:t>29/10/2024</a:t>
+              <a:t>31/10/2024</a:t>
             </a:fld>
             <a:endParaRPr lang="fr-FR"/>
           </a:p>
@@ -1871,7 +1871,7 @@
           <a:p>
             <a:fld id="{5DC18308-36A1-48A0-8E45-5C908A26B1B8}" type="datetime1">
               <a:rPr lang="fr-FR" smtClean="0"/>
-              <a:t>29/10/2024</a:t>
+              <a:t>31/10/2024</a:t>
             </a:fld>
             <a:endParaRPr lang="fr-FR"/>
           </a:p>
@@ -2283,7 +2283,7 @@
           <a:p>
             <a:fld id="{8F325521-7831-4EA2-8CA4-D0E76D80A8C9}" type="datetime1">
               <a:rPr lang="fr-FR" smtClean="0"/>
-              <a:t>29/10/2024</a:t>
+              <a:t>31/10/2024</a:t>
             </a:fld>
             <a:endParaRPr lang="fr-FR"/>
           </a:p>
@@ -2424,7 +2424,7 @@
           <a:p>
             <a:fld id="{9140B915-B04D-4C31-8D63-6B111EBE1A92}" type="datetime1">
               <a:rPr lang="fr-FR" smtClean="0"/>
-              <a:t>29/10/2024</a:t>
+              <a:t>31/10/2024</a:t>
             </a:fld>
             <a:endParaRPr lang="fr-FR"/>
           </a:p>
@@ -2537,7 +2537,7 @@
           <a:p>
             <a:fld id="{37D1D6D9-7573-4813-9FE8-2CDEDB067FFD}" type="datetime1">
               <a:rPr lang="fr-FR" smtClean="0"/>
-              <a:t>29/10/2024</a:t>
+              <a:t>31/10/2024</a:t>
             </a:fld>
             <a:endParaRPr lang="fr-FR"/>
           </a:p>
@@ -2848,7 +2848,7 @@
           <a:p>
             <a:fld id="{273FE930-AE5B-47C1-B8AA-22416CD3FAA6}" type="datetime1">
               <a:rPr lang="fr-FR" smtClean="0"/>
-              <a:t>29/10/2024</a:t>
+              <a:t>31/10/2024</a:t>
             </a:fld>
             <a:endParaRPr lang="fr-FR"/>
           </a:p>
@@ -3136,7 +3136,7 @@
           <a:p>
             <a:fld id="{E604B4F8-711A-464F-B0A8-EE17F67B1F10}" type="datetime1">
               <a:rPr lang="fr-FR" smtClean="0"/>
-              <a:t>29/10/2024</a:t>
+              <a:t>31/10/2024</a:t>
             </a:fld>
             <a:endParaRPr lang="fr-FR"/>
           </a:p>
@@ -3377,7 +3377,7 @@
           <a:p>
             <a:fld id="{A89F281B-E509-45B0-9D0D-2BEAB47FC2CA}" type="datetime1">
               <a:rPr lang="fr-FR" smtClean="0"/>
-              <a:t>29/10/2024</a:t>
+              <a:t>31/10/2024</a:t>
             </a:fld>
             <a:endParaRPr lang="fr-FR"/>
           </a:p>
@@ -4114,11 +4114,11 @@
           <a:p>
             <a:r>
               <a:rPr lang="fr-FR" dirty="0"/>
-              <a:t>A </a:t>
+              <a:t>Next </a:t>
             </a:r>
             <a:r>
               <a:rPr lang="fr-FR" dirty="0" err="1"/>
-              <a:t>Proposal</a:t>
+              <a:t>Step</a:t>
             </a:r>
             <a:r>
               <a:rPr lang="fr-FR" dirty="0"/>
@@ -4156,7 +4156,12 @@
             <p:ph idx="1"/>
           </p:nvPr>
         </p:nvSpPr>
-        <p:spPr/>
+        <p:spPr>
+          <a:xfrm>
+            <a:off x="838200" y="1581150"/>
+            <a:ext cx="10515600" cy="4911725"/>
+          </a:xfrm>
+        </p:spPr>
         <p:txBody>
           <a:bodyPr>
             <a:normAutofit fontScale="85000" lnSpcReduction="10000"/>
@@ -4165,7 +4170,37 @@
           <a:p>
             <a:r>
               <a:rPr lang="en-US" dirty="0"/>
-              <a:t>Initial Target milestone </a:t>
+              <a:t>Need to find a balance between</a:t>
+            </a:r>
+          </a:p>
+          <a:p>
+            <a:pPr lvl="1"/>
+            <a:r>
+              <a:rPr lang="en-US" dirty="0"/>
+              <a:t>A minimal set of </a:t>
+            </a:r>
+            <a:r>
+              <a:rPr lang="en-US" b="1" i="1" dirty="0"/>
+              <a:t>core terms use widely across all</a:t>
+            </a:r>
+            <a:r>
+              <a:rPr lang="en-US" dirty="0"/>
+              <a:t> NMOP documents</a:t>
+            </a:r>
+          </a:p>
+          <a:p>
+            <a:pPr lvl="1"/>
+            <a:r>
+              <a:rPr lang="en-US" dirty="0"/>
+              <a:t>A maximal set of terms that </a:t>
+            </a:r>
+            <a:r>
+              <a:rPr lang="en-US" b="1" i="1" dirty="0"/>
+              <a:t>might be used in any one </a:t>
+            </a:r>
+            <a:r>
+              <a:rPr lang="en-US" dirty="0"/>
+              <a:t>NMOP document </a:t>
             </a:r>
           </a:p>
           <a:p>
@@ -4174,7 +4209,7 @@
           <a:p>
             <a:r>
               <a:rPr lang="en-US" dirty="0"/>
-              <a:t>A Proposal for discussion</a:t>
+              <a:t>A proposal for discussion</a:t>
             </a:r>
           </a:p>
           <a:p>
@@ -4188,29 +4223,33 @@
             <a:pPr lvl="1"/>
             <a:r>
               <a:rPr lang="en-US" dirty="0"/>
-              <a:t>Let the document open for two/three months</a:t>
+              <a:t>Let the document </a:t>
+            </a:r>
+            <a:r>
+              <a:rPr lang="en-US" b="1" i="1" dirty="0"/>
+              <a:t>open for two/three months</a:t>
             </a:r>
           </a:p>
           <a:p>
             <a:pPr lvl="1"/>
             <a:r>
               <a:rPr lang="en-US" dirty="0"/>
-              <a:t>If no major comment is raised, run a WGLC by end of Jan 2025</a:t>
+              <a:t>If no major comment is raised, </a:t>
+            </a:r>
+            <a:r>
+              <a:rPr lang="en-US" b="1" i="1" dirty="0"/>
+              <a:t>run a WGLC by end of Jan 2025</a:t>
             </a:r>
           </a:p>
           <a:p>
             <a:pPr lvl="1"/>
             <a:r>
               <a:rPr lang="en-US" dirty="0"/>
-              <a:t>NMOP documents </a:t>
-            </a:r>
-            <a:r>
-              <a:rPr lang="en-US"/>
-              <a:t>can define context-specific terms, </a:t>
-            </a:r>
-            <a:r>
-              <a:rPr lang="en-US" dirty="0"/>
-              <a:t>if needed</a:t>
+              <a:t>NMOP documents can define </a:t>
+            </a:r>
+            <a:r>
+              <a:rPr lang="en-US" b="1" i="1" dirty="0"/>
+              <a:t>context-specific terms, if needed</a:t>
             </a:r>
           </a:p>
           <a:p>
@@ -4316,94 +4355,6 @@
           </a:p>
         </p:txBody>
       </p:sp>
-      <p:graphicFrame>
-        <p:nvGraphicFramePr>
-          <p:cNvPr id="6" name="Tableau 5">
-            <a:extLst>
-              <a:ext uri="{FF2B5EF4-FFF2-40B4-BE49-F238E27FC236}">
-                <a16:creationId xmlns:a16="http://schemas.microsoft.com/office/drawing/2014/main" id="{6BBA16EE-ACE4-8BC7-7081-EF9116CEEF7A}"/>
-              </a:ext>
-            </a:extLst>
-          </p:cNvPr>
-          <p:cNvGraphicFramePr>
-            <a:graphicFrameLocks noGrp="1"/>
-          </p:cNvGraphicFramePr>
-          <p:nvPr>
-            <p:extLst>
-              <p:ext uri="{D42A27DB-BD31-4B8C-83A1-F6EECF244321}">
-                <p14:modId xmlns:p14="http://schemas.microsoft.com/office/powerpoint/2010/main" val="4090842862"/>
-              </p:ext>
-            </p:extLst>
-          </p:nvPr>
-        </p:nvGraphicFramePr>
-        <p:xfrm>
-          <a:off x="4430486" y="1781629"/>
-          <a:ext cx="6871307" cy="365125"/>
-        </p:xfrm>
-        <a:graphic>
-          <a:graphicData uri="http://schemas.openxmlformats.org/drawingml/2006/table">
-            <a:tbl>
-              <a:tblPr>
-                <a:tableStyleId>{3C2FFA5D-87B4-456A-9821-1D502468CF0F}</a:tableStyleId>
-              </a:tblPr>
-              <a:tblGrid>
-                <a:gridCol w="860603">
-                  <a:extLst>
-                    <a:ext uri="{9D8B030D-6E8A-4147-A177-3AD203B41FA5}">
-                      <a16:colId xmlns:a16="http://schemas.microsoft.com/office/drawing/2014/main" val="48325253"/>
-                    </a:ext>
-                  </a:extLst>
-                </a:gridCol>
-                <a:gridCol w="6010704">
-                  <a:extLst>
-                    <a:ext uri="{9D8B030D-6E8A-4147-A177-3AD203B41FA5}">
-                      <a16:colId xmlns:a16="http://schemas.microsoft.com/office/drawing/2014/main" val="1791977085"/>
-                    </a:ext>
-                  </a:extLst>
-                </a:gridCol>
-              </a:tblGrid>
-              <a:tr h="365125">
-                <a:tc>
-                  <a:txBody>
-                    <a:bodyPr/>
-                    <a:lstStyle/>
-                    <a:p>
-                      <a:pPr algn="r"/>
-                      <a:r>
-                        <a:rPr lang="fr-FR" sz="1400">
-                          <a:effectLst/>
-                        </a:rPr>
-                        <a:t>Dec 2025</a:t>
-                      </a:r>
-                    </a:p>
-                  </a:txBody>
-                  <a:tcPr marL="73114" marR="73114" marT="36557" marB="36557"/>
-                </a:tc>
-                <a:tc>
-                  <a:txBody>
-                    <a:bodyPr/>
-                    <a:lstStyle/>
-                    <a:p>
-                      <a:r>
-                        <a:rPr lang="en-US" sz="1400" dirty="0">
-                          <a:effectLst/>
-                        </a:rPr>
-                        <a:t>Submit NMOP Terminology to the IESG</a:t>
-                      </a:r>
-                    </a:p>
-                  </a:txBody>
-                  <a:tcPr marL="73114" marR="73114" marT="36557" marB="36557"/>
-                </a:tc>
-                <a:extLst>
-                  <a:ext uri="{0D108BD9-81ED-4DB2-BD59-A6C34878D82A}">
-                    <a16:rowId xmlns:a16="http://schemas.microsoft.com/office/drawing/2014/main" val="1511068247"/>
-                  </a:ext>
-                </a:extLst>
-              </a:tr>
-            </a:tbl>
-          </a:graphicData>
-        </a:graphic>
-      </p:graphicFrame>
     </p:spTree>
     <p:extLst>
       <p:ext uri="{BB962C8B-B14F-4D97-AF65-F5344CB8AC3E}">
